--- a/_book/plot/china-organization-location-1.pptx
+++ b/_book/plot/china-organization-location-1.pptx
@@ -3123,7 +3123,7 @@
           <p:spPr>
             <a:xfrm>
               <a:off x="2148681" y="1495425"/>
-              <a:ext cx="6400800" cy="4571999"/>
+              <a:ext cx="6400799" cy="4571999"/>
             </a:xfrm>
             <a:prstGeom prst="rect">
               <a:avLst/>
@@ -3264,7 +3264,7 @@
           </p:nvSpPr>
           <p:spPr>
             <a:xfrm>
-              <a:off x="4381366" y="2463680"/>
+              <a:off x="4381366" y="2463679"/>
               <a:ext cx="796602" cy="143023"/>
             </a:xfrm>
             <a:prstGeom prst="rect">
@@ -3530,7 +3530,7 @@
           </p:nvSpPr>
           <p:spPr>
             <a:xfrm>
-              <a:off x="4703485" y="2930827"/>
+              <a:off x="4703485" y="2930826"/>
               <a:ext cx="39451" cy="36150"/>
             </a:xfrm>
             <a:custGeom>
@@ -3616,7 +3616,7 @@
           </p:nvSpPr>
           <p:spPr>
             <a:xfrm>
-              <a:off x="4526315" y="3076151"/>
+              <a:off x="4526314" y="3076151"/>
               <a:ext cx="1005646" cy="613833"/>
             </a:xfrm>
             <a:custGeom>
@@ -3683,7 +3683,7 @@
           </p:nvSpPr>
           <p:spPr>
             <a:xfrm>
-              <a:off x="4535231" y="3171119"/>
+              <a:off x="4535230" y="3171119"/>
               <a:ext cx="47463" cy="24707"/>
             </a:xfrm>
             <a:custGeom>
@@ -3723,7 +3723,7 @@
           </p:nvSpPr>
           <p:spPr>
             <a:xfrm>
-              <a:off x="4089578" y="3089187"/>
+              <a:off x="4089577" y="3089187"/>
               <a:ext cx="398189" cy="110876"/>
             </a:xfrm>
             <a:prstGeom prst="rect">
@@ -3922,7 +3922,7 @@
           </p:nvSpPr>
           <p:spPr>
             <a:xfrm>
-              <a:off x="4461858" y="3596712"/>
+              <a:off x="4461857" y="3596712"/>
               <a:ext cx="1070103" cy="279108"/>
             </a:xfrm>
             <a:custGeom>
@@ -4228,7 +4228,7 @@
           </p:nvSpPr>
           <p:spPr>
             <a:xfrm>
-              <a:off x="4562043" y="3689985"/>
+              <a:off x="4562042" y="3689985"/>
               <a:ext cx="969918" cy="687902"/>
             </a:xfrm>
             <a:custGeom>
@@ -4245,7 +4245,7 @@
                     <a:pt x="36511" y="523497"/>
                   </a:lnTo>
                   <a:lnTo>
-                    <a:pt x="56737" y="558032"/>
+                    <a:pt x="56737" y="558033"/>
                   </a:lnTo>
                   <a:lnTo>
                     <a:pt x="78242" y="591787"/>
@@ -4381,7 +4381,7 @@
           </p:nvSpPr>
           <p:spPr>
             <a:xfrm>
-              <a:off x="4712151" y="3689985"/>
+              <a:off x="4712150" y="3689985"/>
               <a:ext cx="819810" cy="876645"/>
             </a:xfrm>
             <a:custGeom>
@@ -4398,7 +4398,7 @@
                     <a:pt x="53699" y="747243"/>
                   </a:lnTo>
                   <a:lnTo>
-                    <a:pt x="82175" y="775366"/>
+                    <a:pt x="82175" y="775367"/>
                   </a:lnTo>
                   <a:lnTo>
                     <a:pt x="111683" y="802405"/>
@@ -4551,7 +4551,7 @@
                     <a:pt x="67228" y="920066"/>
                   </a:lnTo>
                   <a:lnTo>
-                    <a:pt x="102012" y="939860"/>
+                    <a:pt x="102012" y="939861"/>
                   </a:lnTo>
                   <a:lnTo>
                     <a:pt x="137513" y="958341"/>
@@ -4698,7 +4698,7 @@
                     <a:pt x="0" y="1005646"/>
                   </a:moveTo>
                   <a:lnTo>
-                    <a:pt x="35319" y="1017807"/>
+                    <a:pt x="35319" y="1017808"/>
                   </a:lnTo>
                   <a:lnTo>
                     <a:pt x="71041" y="1028729"/>
@@ -4716,7 +4716,7 @@
                     <a:pt x="217084" y="1059771"/>
                   </a:lnTo>
                   <a:lnTo>
-                    <a:pt x="254160" y="1064323"/>
+                    <a:pt x="254160" y="1064324"/>
                   </a:lnTo>
                   <a:lnTo>
                     <a:pt x="291372" y="1067579"/>
@@ -4734,7 +4734,7 @@
                     <a:pt x="440677" y="1067579"/>
                   </a:lnTo>
                   <a:lnTo>
-                    <a:pt x="477890" y="1064323"/>
+                    <a:pt x="477890" y="1064324"/>
                   </a:lnTo>
                   <a:lnTo>
                     <a:pt x="514966" y="1059771"/>
@@ -4884,7 +4884,7 @@
                     <a:pt x="294983" y="1028729"/>
                   </a:lnTo>
                   <a:lnTo>
-                    <a:pt x="330705" y="1017807"/>
+                    <a:pt x="330705" y="1017808"/>
                   </a:lnTo>
                   <a:lnTo>
                     <a:pt x="366025" y="1005646"/>
@@ -5052,10 +5052,10 @@
                     <a:pt x="687902" y="1005646"/>
                   </a:moveTo>
                   <a:lnTo>
-                    <a:pt x="714357" y="982699"/>
-                  </a:lnTo>
-                  <a:lnTo>
-                    <a:pt x="740047" y="958900"/>
+                    <a:pt x="714357" y="982700"/>
+                  </a:lnTo>
+                  <a:lnTo>
+                    <a:pt x="740048" y="958900"/>
                   </a:lnTo>
                   <a:lnTo>
                     <a:pt x="764945" y="934272"/>
@@ -5094,7 +5094,7 @@
                     <a:pt x="979554" y="616850"/>
                   </a:lnTo>
                   <a:lnTo>
-                    <a:pt x="993131" y="584569"/>
+                    <a:pt x="993132" y="584569"/>
                   </a:lnTo>
                   <a:lnTo>
                     <a:pt x="1005646" y="551861"/>
@@ -5183,7 +5183,7 @@
           </p:nvSpPr>
           <p:spPr>
             <a:xfrm>
-              <a:off x="6537607" y="4056010"/>
+              <a:off x="6537608" y="4056010"/>
               <a:ext cx="50282" cy="18301"/>
             </a:xfrm>
             <a:custGeom>
@@ -5269,15 +5269,15 @@
           </p:nvSpPr>
           <p:spPr>
             <a:xfrm>
-              <a:off x="5346125" y="2619907"/>
-              <a:ext cx="1239763" cy="1070077"/>
+              <a:off x="5346125" y="2619906"/>
+              <a:ext cx="1239764" cy="1070078"/>
             </a:xfrm>
             <a:custGeom>
               <a:avLst/>
               <a:pathLst>
-                <a:path w="1239763" h="1070077">
+                <a:path w="1239764" h="1070078">
                   <a:moveTo>
-                    <a:pt x="1239763" y="884242"/>
+                    <a:pt x="1239764" y="884242"/>
                   </a:moveTo>
                   <a:lnTo>
                     <a:pt x="1233266" y="850557"/>
@@ -5301,13 +5301,13 @@
                     <a:pt x="1171987" y="654380"/>
                   </a:lnTo>
                   <a:lnTo>
-                    <a:pt x="1158156" y="622986"/>
+                    <a:pt x="1158157" y="622986"/>
                   </a:lnTo>
                   <a:lnTo>
                     <a:pt x="1143327" y="592051"/>
                   </a:lnTo>
                   <a:lnTo>
-                    <a:pt x="1127513" y="561607"/>
+                    <a:pt x="1127514" y="561607"/>
                   </a:lnTo>
                   <a:lnTo>
                     <a:pt x="1110732" y="531686"/>
@@ -5364,7 +5364,7 @@
                     <a:pt x="697656" y="130217"/>
                   </a:lnTo>
                   <a:lnTo>
-                    <a:pt x="667269" y="114295"/>
+                    <a:pt x="667270" y="114295"/>
                   </a:lnTo>
                   <a:lnTo>
                     <a:pt x="636388" y="99355"/>
@@ -5427,7 +5427,7 @@
                     <a:pt x="0" y="16149"/>
                   </a:lnTo>
                   <a:lnTo>
-                    <a:pt x="185835" y="1070077"/>
+                    <a:pt x="185835" y="1070078"/>
                   </a:lnTo>
                   <a:close/>
                 </a:path>

--- a/_book/plot/china-organization-location-1.pptx
+++ b/_book/plot/china-organization-location-1.pptx
@@ -3108,10 +3108,10 @@
         </p:nvGrpSpPr>
         <p:grpSpPr>
           <a:xfrm>
-            <a:off x="2148682" y="1495425"/>
-            <a:ext cx="6400800" cy="4572000"/>
-            <a:chOff x="2148682" y="1495425"/>
-            <a:chExt cx="6400800" cy="4572000"/>
+            <a:off x="1691482" y="1521028"/>
+            <a:ext cx="7315200" cy="4520794"/>
+            <a:chOff x="1691482" y="1521028"/>
+            <a:chExt cx="7315200" cy="4520794"/>
           </a:xfrm>
         </p:grpSpPr>
         <p:sp>
@@ -3122,8 +3122,8 @@
           </p:nvSpPr>
           <p:spPr>
             <a:xfrm>
-              <a:off x="2148681" y="1495425"/>
-              <a:ext cx="6400799" cy="4571999"/>
+              <a:off x="1691481" y="1521028"/>
+              <a:ext cx="7315199" cy="4520793"/>
             </a:xfrm>
             <a:prstGeom prst="rect">
               <a:avLst/>
@@ -3157,39 +3157,39 @@
           </p:nvSpPr>
           <p:spPr>
             <a:xfrm>
-              <a:off x="5079681" y="2636056"/>
-              <a:ext cx="452280" cy="1053928"/>
+              <a:off x="5087696" y="2654734"/>
+              <a:ext cx="444265" cy="1035250"/>
             </a:xfrm>
             <a:custGeom>
               <a:avLst/>
               <a:pathLst>
-                <a:path w="452280" h="1053928">
+                <a:path w="444265" h="1035250">
                   <a:moveTo>
-                    <a:pt x="266444" y="0"/>
+                    <a:pt x="261722" y="0"/>
                   </a:moveTo>
                   <a:lnTo>
-                    <a:pt x="227166" y="7685"/>
-                  </a:lnTo>
-                  <a:lnTo>
-                    <a:pt x="188203" y="16834"/>
-                  </a:lnTo>
-                  <a:lnTo>
-                    <a:pt x="149610" y="27433"/>
-                  </a:lnTo>
-                  <a:lnTo>
-                    <a:pt x="111440" y="39468"/>
-                  </a:lnTo>
-                  <a:lnTo>
-                    <a:pt x="73746" y="52922"/>
-                  </a:lnTo>
-                  <a:lnTo>
-                    <a:pt x="36582" y="67776"/>
-                  </a:lnTo>
-                  <a:lnTo>
-                    <a:pt x="0" y="84009"/>
-                  </a:lnTo>
-                  <a:lnTo>
-                    <a:pt x="452280" y="1053928"/>
+                    <a:pt x="223141" y="7549"/>
+                  </a:lnTo>
+                  <a:lnTo>
+                    <a:pt x="184868" y="16536"/>
+                  </a:lnTo>
+                  <a:lnTo>
+                    <a:pt x="146959" y="26947"/>
+                  </a:lnTo>
+                  <a:lnTo>
+                    <a:pt x="109465" y="38769"/>
+                  </a:lnTo>
+                  <a:lnTo>
+                    <a:pt x="72439" y="51984"/>
+                  </a:lnTo>
+                  <a:lnTo>
+                    <a:pt x="35934" y="66575"/>
+                  </a:lnTo>
+                  <a:lnTo>
+                    <a:pt x="0" y="82520"/>
+                  </a:lnTo>
+                  <a:lnTo>
+                    <a:pt x="444265" y="1035250"/>
                   </a:lnTo>
                   <a:close/>
                 </a:path>
@@ -3224,15 +3224,15 @@
           </p:nvSpPr>
           <p:spPr>
             <a:xfrm>
-              <a:off x="5194059" y="2618297"/>
-              <a:ext cx="16090" cy="51032"/>
+              <a:off x="5200047" y="2637289"/>
+              <a:ext cx="15805" cy="50128"/>
             </a:xfrm>
             <a:custGeom>
               <a:avLst/>
               <a:pathLst>
-                <a:path w="16090" h="51032">
+                <a:path w="15805" h="50128">
                   <a:moveTo>
-                    <a:pt x="16090" y="51032"/>
+                    <a:pt x="15805" y="50128"/>
                   </a:moveTo>
                   <a:lnTo>
                     <a:pt x="0" y="0"/>
@@ -3264,7 +3264,7 @@
           </p:nvSpPr>
           <p:spPr>
             <a:xfrm>
-              <a:off x="4381366" y="2463679"/>
+              <a:off x="4387639" y="2483576"/>
               <a:ext cx="796602" cy="143023"/>
             </a:xfrm>
             <a:prstGeom prst="rect">
@@ -3310,39 +3310,39 @@
           </p:nvSpPr>
           <p:spPr>
             <a:xfrm>
-              <a:off x="4844058" y="2720066"/>
-              <a:ext cx="687902" cy="969918"/>
+              <a:off x="4856249" y="2737254"/>
+              <a:ext cx="675712" cy="952730"/>
             </a:xfrm>
             <a:custGeom>
               <a:avLst/>
               <a:pathLst>
-                <a:path w="687902" h="969918">
+                <a:path w="675712" h="952730">
                   <a:moveTo>
-                    <a:pt x="235622" y="0"/>
+                    <a:pt x="231446" y="0"/>
                   </a:moveTo>
                   <a:lnTo>
-                    <a:pt x="199672" y="17589"/>
-                  </a:lnTo>
-                  <a:lnTo>
-                    <a:pt x="164404" y="36511"/>
-                  </a:lnTo>
-                  <a:lnTo>
-                    <a:pt x="129869" y="56737"/>
-                  </a:lnTo>
-                  <a:lnTo>
-                    <a:pt x="96115" y="78242"/>
-                  </a:lnTo>
-                  <a:lnTo>
-                    <a:pt x="63188" y="100993"/>
-                  </a:lnTo>
-                  <a:lnTo>
-                    <a:pt x="31134" y="124959"/>
-                  </a:lnTo>
-                  <a:lnTo>
-                    <a:pt x="0" y="150107"/>
-                  </a:lnTo>
-                  <a:lnTo>
-                    <a:pt x="687902" y="969918"/>
+                    <a:pt x="196133" y="17277"/>
+                  </a:lnTo>
+                  <a:lnTo>
+                    <a:pt x="161491" y="35864"/>
+                  </a:lnTo>
+                  <a:lnTo>
+                    <a:pt x="127568" y="55732"/>
+                  </a:lnTo>
+                  <a:lnTo>
+                    <a:pt x="94411" y="76855"/>
+                  </a:lnTo>
+                  <a:lnTo>
+                    <a:pt x="62068" y="99203"/>
+                  </a:lnTo>
+                  <a:lnTo>
+                    <a:pt x="30582" y="122745"/>
+                  </a:lnTo>
+                  <a:lnTo>
+                    <a:pt x="0" y="147447"/>
+                  </a:lnTo>
+                  <a:lnTo>
+                    <a:pt x="675712" y="952730"/>
                   </a:lnTo>
                   <a:close/>
                 </a:path>
@@ -3377,15 +3377,15 @@
           </p:nvSpPr>
           <p:spPr>
             <a:xfrm>
-              <a:off x="4928200" y="2742269"/>
-              <a:ext cx="28750" cy="45129"/>
+              <a:off x="4938899" y="2759064"/>
+              <a:ext cx="28241" cy="44329"/>
             </a:xfrm>
             <a:custGeom>
               <a:avLst/>
               <a:pathLst>
-                <a:path w="28750" h="45129">
+                <a:path w="28241" h="44329">
                   <a:moveTo>
-                    <a:pt x="28750" y="45129"/>
+                    <a:pt x="28241" y="44329"/>
                   </a:moveTo>
                   <a:lnTo>
                     <a:pt x="0" y="0"/>
@@ -3417,7 +3417,7 @@
           </p:nvSpPr>
           <p:spPr>
             <a:xfrm>
-              <a:off x="4060654" y="2594485"/>
+              <a:off x="4071863" y="2612080"/>
               <a:ext cx="838795" cy="141163"/>
             </a:xfrm>
             <a:prstGeom prst="rect">
@@ -3463,39 +3463,39 @@
           </p:nvSpPr>
           <p:spPr>
             <a:xfrm>
-              <a:off x="4655315" y="2870174"/>
-              <a:ext cx="876645" cy="819810"/>
+              <a:off x="4670851" y="2884702"/>
+              <a:ext cx="861110" cy="805282"/>
             </a:xfrm>
             <a:custGeom>
               <a:avLst/>
               <a:pathLst>
-                <a:path w="876645" h="819810">
+                <a:path w="861110" h="805282">
                   <a:moveTo>
-                    <a:pt x="188742" y="0"/>
+                    <a:pt x="185398" y="0"/>
                   </a:moveTo>
                   <a:lnTo>
-                    <a:pt x="158570" y="26294"/>
-                  </a:lnTo>
-                  <a:lnTo>
-                    <a:pt x="129401" y="53699"/>
-                  </a:lnTo>
-                  <a:lnTo>
-                    <a:pt x="101278" y="82175"/>
-                  </a:lnTo>
-                  <a:lnTo>
-                    <a:pt x="74239" y="111683"/>
-                  </a:lnTo>
-                  <a:lnTo>
-                    <a:pt x="48323" y="142181"/>
-                  </a:lnTo>
-                  <a:lnTo>
-                    <a:pt x="23565" y="173627"/>
-                  </a:lnTo>
-                  <a:lnTo>
-                    <a:pt x="0" y="205976"/>
-                  </a:lnTo>
-                  <a:lnTo>
-                    <a:pt x="876645" y="819810"/>
+                    <a:pt x="155760" y="25828"/>
+                  </a:lnTo>
+                  <a:lnTo>
+                    <a:pt x="127108" y="52747"/>
+                  </a:lnTo>
+                  <a:lnTo>
+                    <a:pt x="99483" y="80719"/>
+                  </a:lnTo>
+                  <a:lnTo>
+                    <a:pt x="72924" y="109703"/>
+                  </a:lnTo>
+                  <a:lnTo>
+                    <a:pt x="47466" y="139661"/>
+                  </a:lnTo>
+                  <a:lnTo>
+                    <a:pt x="23147" y="170550"/>
+                  </a:lnTo>
+                  <a:lnTo>
+                    <a:pt x="0" y="202326"/>
+                  </a:lnTo>
+                  <a:lnTo>
+                    <a:pt x="861110" y="805282"/>
                   </a:lnTo>
                   <a:close/>
                 </a:path>
@@ -3530,15 +3530,15 @@
           </p:nvSpPr>
           <p:spPr>
             <a:xfrm>
-              <a:off x="4703485" y="2930826"/>
-              <a:ext cx="39451" cy="36150"/>
+              <a:off x="4718167" y="2944280"/>
+              <a:ext cx="38752" cy="35509"/>
             </a:xfrm>
             <a:custGeom>
               <a:avLst/>
               <a:pathLst>
-                <a:path w="39451" h="36150">
+                <a:path w="38752" h="35509">
                   <a:moveTo>
-                    <a:pt x="39451" y="36150"/>
+                    <a:pt x="38752" y="35509"/>
                   </a:moveTo>
                   <a:lnTo>
                     <a:pt x="0" y="0"/>
@@ -3570,7 +3570,7 @@
           </p:nvSpPr>
           <p:spPr>
             <a:xfrm>
-              <a:off x="3901439" y="2792022"/>
+              <a:off x="3916820" y="2806116"/>
               <a:ext cx="762595" cy="141163"/>
             </a:xfrm>
             <a:prstGeom prst="rect">
@@ -3616,39 +3616,39 @@
           </p:nvSpPr>
           <p:spPr>
             <a:xfrm>
-              <a:off x="4526314" y="3076151"/>
-              <a:ext cx="1005646" cy="613833"/>
+              <a:off x="4544136" y="3087029"/>
+              <a:ext cx="987824" cy="602955"/>
             </a:xfrm>
             <a:custGeom>
               <a:avLst/>
               <a:pathLst>
-                <a:path w="1005646" h="613833">
+                <a:path w="987824" h="602955">
                   <a:moveTo>
-                    <a:pt x="129000" y="0"/>
+                    <a:pt x="126714" y="0"/>
                   </a:moveTo>
                   <a:lnTo>
-                    <a:pt x="106661" y="33208"/>
-                  </a:lnTo>
-                  <a:lnTo>
-                    <a:pt x="85580" y="67228"/>
-                  </a:lnTo>
-                  <a:lnTo>
-                    <a:pt x="65785" y="102012"/>
-                  </a:lnTo>
-                  <a:lnTo>
-                    <a:pt x="47305" y="137513"/>
-                  </a:lnTo>
-                  <a:lnTo>
-                    <a:pt x="30165" y="173679"/>
-                  </a:lnTo>
-                  <a:lnTo>
-                    <a:pt x="14389" y="210462"/>
-                  </a:lnTo>
-                  <a:lnTo>
-                    <a:pt x="0" y="247808"/>
-                  </a:lnTo>
-                  <a:lnTo>
-                    <a:pt x="1005646" y="613833"/>
+                    <a:pt x="104771" y="32619"/>
+                  </a:lnTo>
+                  <a:lnTo>
+                    <a:pt x="84063" y="66036"/>
+                  </a:lnTo>
+                  <a:lnTo>
+                    <a:pt x="64619" y="100205"/>
+                  </a:lnTo>
+                  <a:lnTo>
+                    <a:pt x="46466" y="135076"/>
+                  </a:lnTo>
+                  <a:lnTo>
+                    <a:pt x="29630" y="170602"/>
+                  </a:lnTo>
+                  <a:lnTo>
+                    <a:pt x="14134" y="206732"/>
+                  </a:lnTo>
+                  <a:lnTo>
+                    <a:pt x="0" y="243416"/>
+                  </a:lnTo>
+                  <a:lnTo>
+                    <a:pt x="987824" y="602955"/>
                   </a:lnTo>
                   <a:close/>
                 </a:path>
@@ -3683,15 +3683,15 @@
           </p:nvSpPr>
           <p:spPr>
             <a:xfrm>
-              <a:off x="4535230" y="3171119"/>
-              <a:ext cx="47463" cy="24707"/>
+              <a:off x="4552894" y="3180315"/>
+              <a:ext cx="46622" cy="24269"/>
             </a:xfrm>
             <a:custGeom>
               <a:avLst/>
               <a:pathLst>
-                <a:path w="47463" h="24707">
+                <a:path w="46622" h="24269">
                   <a:moveTo>
-                    <a:pt x="47463" y="24707"/>
+                    <a:pt x="46622" y="24269"/>
                   </a:moveTo>
                   <a:lnTo>
                     <a:pt x="0" y="0"/>
@@ -3723,7 +3723,7 @@
           </p:nvSpPr>
           <p:spPr>
             <a:xfrm>
-              <a:off x="4089577" y="3089187"/>
+              <a:off x="4108082" y="3098820"/>
               <a:ext cx="398189" cy="110876"/>
             </a:xfrm>
             <a:prstGeom prst="rect">
@@ -3769,39 +3769,39 @@
           </p:nvSpPr>
           <p:spPr>
             <a:xfrm>
-              <a:off x="4465847" y="3323959"/>
-              <a:ext cx="1066114" cy="366025"/>
+              <a:off x="4484740" y="3330446"/>
+              <a:ext cx="1047221" cy="359538"/>
             </a:xfrm>
             <a:custGeom>
               <a:avLst/>
               <a:pathLst>
-                <a:path w="1066114" h="366025">
+                <a:path w="1047221" h="359538">
                   <a:moveTo>
-                    <a:pt x="60467" y="0"/>
+                    <a:pt x="59396" y="0"/>
                   </a:moveTo>
                   <a:lnTo>
-                    <a:pt x="47484" y="37858"/>
-                  </a:lnTo>
-                  <a:lnTo>
-                    <a:pt x="35926" y="76175"/>
-                  </a:lnTo>
-                  <a:lnTo>
-                    <a:pt x="25809" y="114898"/>
-                  </a:lnTo>
-                  <a:lnTo>
-                    <a:pt x="17146" y="153972"/>
-                  </a:lnTo>
-                  <a:lnTo>
-                    <a:pt x="9951" y="193342"/>
-                  </a:lnTo>
-                  <a:lnTo>
-                    <a:pt x="4233" y="232954"/>
-                  </a:lnTo>
-                  <a:lnTo>
-                    <a:pt x="0" y="272752"/>
-                  </a:lnTo>
-                  <a:lnTo>
-                    <a:pt x="1066114" y="366025"/>
+                    <a:pt x="46643" y="37187"/>
+                  </a:lnTo>
+                  <a:lnTo>
+                    <a:pt x="35289" y="74825"/>
+                  </a:lnTo>
+                  <a:lnTo>
+                    <a:pt x="25351" y="112862"/>
+                  </a:lnTo>
+                  <a:lnTo>
+                    <a:pt x="16842" y="151243"/>
+                  </a:lnTo>
+                  <a:lnTo>
+                    <a:pt x="9775" y="189916"/>
+                  </a:lnTo>
+                  <a:lnTo>
+                    <a:pt x="4158" y="228826"/>
+                  </a:lnTo>
+                  <a:lnTo>
+                    <a:pt x="0" y="267918"/>
+                  </a:lnTo>
+                  <a:lnTo>
+                    <a:pt x="1047221" y="359538"/>
                   </a:lnTo>
                   <a:close/>
                 </a:path>
@@ -3836,15 +3836,15 @@
           </p:nvSpPr>
           <p:spPr>
             <a:xfrm>
-              <a:off x="4434901" y="3446772"/>
-              <a:ext cx="52240" cy="11581"/>
+              <a:off x="4454343" y="3451082"/>
+              <a:ext cx="51315" cy="11376"/>
             </a:xfrm>
             <a:custGeom>
               <a:avLst/>
               <a:pathLst>
-                <a:path w="52240" h="11581">
+                <a:path w="51315" h="11376">
                   <a:moveTo>
-                    <a:pt x="52240" y="11581"/>
+                    <a:pt x="51315" y="11376"/>
                   </a:moveTo>
                   <a:lnTo>
                     <a:pt x="0" y="0"/>
@@ -3876,7 +3876,7 @@
           </p:nvSpPr>
           <p:spPr>
             <a:xfrm>
-              <a:off x="4120127" y="3377855"/>
+              <a:off x="4140495" y="3382370"/>
               <a:ext cx="262532" cy="110951"/>
             </a:xfrm>
             <a:prstGeom prst="rect">
@@ -3922,39 +3922,39 @@
           </p:nvSpPr>
           <p:spPr>
             <a:xfrm>
-              <a:off x="4461857" y="3596712"/>
-              <a:ext cx="1070103" cy="279108"/>
+              <a:off x="4480821" y="3598365"/>
+              <a:ext cx="1051139" cy="274162"/>
             </a:xfrm>
             <a:custGeom>
               <a:avLst/>
               <a:pathLst>
-                <a:path w="1070103" h="279108">
+                <a:path w="1051139" h="274162">
                   <a:moveTo>
-                    <a:pt x="3989" y="0"/>
+                    <a:pt x="3918" y="0"/>
                   </a:moveTo>
                   <a:lnTo>
-                    <a:pt x="1247" y="39928"/>
-                  </a:lnTo>
-                  <a:lnTo>
-                    <a:pt x="0" y="79931"/>
-                  </a:lnTo>
-                  <a:lnTo>
-                    <a:pt x="249" y="119953"/>
-                  </a:lnTo>
-                  <a:lnTo>
-                    <a:pt x="1995" y="159937"/>
-                  </a:lnTo>
-                  <a:lnTo>
-                    <a:pt x="5234" y="199829"/>
-                  </a:lnTo>
-                  <a:lnTo>
-                    <a:pt x="9963" y="239571"/>
-                  </a:lnTo>
-                  <a:lnTo>
-                    <a:pt x="16175" y="279108"/>
-                  </a:lnTo>
-                  <a:lnTo>
-                    <a:pt x="1070103" y="93272"/>
+                    <a:pt x="1225" y="39220"/>
+                  </a:lnTo>
+                  <a:lnTo>
+                    <a:pt x="0" y="78515"/>
+                  </a:lnTo>
+                  <a:lnTo>
+                    <a:pt x="245" y="117827"/>
+                  </a:lnTo>
+                  <a:lnTo>
+                    <a:pt x="1959" y="157103"/>
+                  </a:lnTo>
+                  <a:lnTo>
+                    <a:pt x="5142" y="196287"/>
+                  </a:lnTo>
+                  <a:lnTo>
+                    <a:pt x="9787" y="235325"/>
+                  </a:lnTo>
+                  <a:lnTo>
+                    <a:pt x="15888" y="274162"/>
+                  </a:lnTo>
+                  <a:lnTo>
+                    <a:pt x="1051139" y="91619"/>
                   </a:lnTo>
                   <a:close/>
                 </a:path>
@@ -3989,18 +3989,18 @@
           </p:nvSpPr>
           <p:spPr>
             <a:xfrm>
-              <a:off x="4409335" y="3736665"/>
-              <a:ext cx="53458" cy="2334"/>
+              <a:off x="4429229" y="3735838"/>
+              <a:ext cx="52511" cy="2292"/>
             </a:xfrm>
             <a:custGeom>
               <a:avLst/>
               <a:pathLst>
-                <a:path w="53458" h="2334">
+                <a:path w="52511" h="2292">
                   <a:moveTo>
-                    <a:pt x="53458" y="0"/>
+                    <a:pt x="52511" y="0"/>
                   </a:moveTo>
                   <a:lnTo>
-                    <a:pt x="0" y="2334"/>
+                    <a:pt x="0" y="2292"/>
                   </a:lnTo>
                 </a:path>
               </a:pathLst>
@@ -4029,7 +4029,7 @@
           </p:nvSpPr>
           <p:spPr>
             <a:xfrm>
-              <a:off x="3576463" y="3638679"/>
+              <a:off x="3597305" y="3637769"/>
               <a:ext cx="779412" cy="141163"/>
             </a:xfrm>
             <a:prstGeom prst="rect">
@@ -4075,39 +4075,39 @@
           </p:nvSpPr>
           <p:spPr>
             <a:xfrm>
-              <a:off x="4478033" y="3689985"/>
-              <a:ext cx="1053928" cy="452280"/>
+              <a:off x="4496710" y="3689985"/>
+              <a:ext cx="1035250" cy="444265"/>
             </a:xfrm>
             <a:custGeom>
               <a:avLst/>
               <a:pathLst>
-                <a:path w="1053928" h="452280">
+                <a:path w="1035250" h="444265">
                   <a:moveTo>
-                    <a:pt x="0" y="185835"/>
+                    <a:pt x="0" y="182542"/>
                   </a:moveTo>
                   <a:lnTo>
-                    <a:pt x="7685" y="225113"/>
-                  </a:lnTo>
-                  <a:lnTo>
-                    <a:pt x="16834" y="264076"/>
-                  </a:lnTo>
-                  <a:lnTo>
-                    <a:pt x="27433" y="302669"/>
-                  </a:lnTo>
-                  <a:lnTo>
-                    <a:pt x="39468" y="340840"/>
-                  </a:lnTo>
-                  <a:lnTo>
-                    <a:pt x="52922" y="378533"/>
-                  </a:lnTo>
-                  <a:lnTo>
-                    <a:pt x="67776" y="415697"/>
-                  </a:lnTo>
-                  <a:lnTo>
-                    <a:pt x="84009" y="452280"/>
-                  </a:lnTo>
-                  <a:lnTo>
-                    <a:pt x="1053928" y="0"/>
+                    <a:pt x="7549" y="221124"/>
+                  </a:lnTo>
+                  <a:lnTo>
+                    <a:pt x="16536" y="259396"/>
+                  </a:lnTo>
+                  <a:lnTo>
+                    <a:pt x="26947" y="297306"/>
+                  </a:lnTo>
+                  <a:lnTo>
+                    <a:pt x="38769" y="334799"/>
+                  </a:lnTo>
+                  <a:lnTo>
+                    <a:pt x="51984" y="371825"/>
+                  </a:lnTo>
+                  <a:lnTo>
+                    <a:pt x="66575" y="408330"/>
+                  </a:lnTo>
+                  <a:lnTo>
+                    <a:pt x="82520" y="444265"/>
+                  </a:lnTo>
+                  <a:lnTo>
+                    <a:pt x="1035250" y="0"/>
                   </a:lnTo>
                   <a:close/>
                 </a:path>
@@ -4142,18 +4142,18 @@
           </p:nvSpPr>
           <p:spPr>
             <a:xfrm>
-              <a:off x="4460273" y="4011796"/>
-              <a:ext cx="51032" cy="16090"/>
+              <a:off x="4479265" y="4006093"/>
+              <a:ext cx="50128" cy="15805"/>
             </a:xfrm>
             <a:custGeom>
               <a:avLst/>
               <a:pathLst>
-                <a:path w="51032" h="16090">
+                <a:path w="50128" h="15805">
                   <a:moveTo>
-                    <a:pt x="51032" y="0"/>
+                    <a:pt x="50128" y="0"/>
                   </a:moveTo>
                   <a:lnTo>
-                    <a:pt x="0" y="16090"/>
+                    <a:pt x="0" y="15805"/>
                   </a:lnTo>
                 </a:path>
               </a:pathLst>
@@ -4182,7 +4182,7 @@
           </p:nvSpPr>
           <p:spPr>
             <a:xfrm>
-              <a:off x="3858502" y="3985711"/>
+              <a:off x="3878398" y="3979437"/>
               <a:ext cx="550738" cy="112811"/>
             </a:xfrm>
             <a:prstGeom prst="rect">
@@ -4228,39 +4228,39 @@
           </p:nvSpPr>
           <p:spPr>
             <a:xfrm>
-              <a:off x="4562042" y="3689985"/>
-              <a:ext cx="969918" cy="687902"/>
+              <a:off x="4579231" y="3689985"/>
+              <a:ext cx="952730" cy="675712"/>
             </a:xfrm>
             <a:custGeom>
               <a:avLst/>
               <a:pathLst>
-                <a:path w="969918" h="687902">
+                <a:path w="952730" h="675712">
                   <a:moveTo>
-                    <a:pt x="0" y="452280"/>
+                    <a:pt x="0" y="444265"/>
                   </a:moveTo>
                   <a:lnTo>
-                    <a:pt x="17589" y="488230"/>
-                  </a:lnTo>
-                  <a:lnTo>
-                    <a:pt x="36511" y="523497"/>
-                  </a:lnTo>
-                  <a:lnTo>
-                    <a:pt x="56737" y="558033"/>
-                  </a:lnTo>
-                  <a:lnTo>
-                    <a:pt x="78242" y="591787"/>
-                  </a:lnTo>
-                  <a:lnTo>
-                    <a:pt x="100993" y="624714"/>
-                  </a:lnTo>
-                  <a:lnTo>
-                    <a:pt x="124959" y="656767"/>
-                  </a:lnTo>
-                  <a:lnTo>
-                    <a:pt x="150107" y="687902"/>
-                  </a:lnTo>
-                  <a:lnTo>
-                    <a:pt x="969918" y="0"/>
+                    <a:pt x="17277" y="479578"/>
+                  </a:lnTo>
+                  <a:lnTo>
+                    <a:pt x="35864" y="514220"/>
+                  </a:lnTo>
+                  <a:lnTo>
+                    <a:pt x="55732" y="548143"/>
+                  </a:lnTo>
+                  <a:lnTo>
+                    <a:pt x="76855" y="581300"/>
+                  </a:lnTo>
+                  <a:lnTo>
+                    <a:pt x="99203" y="613643"/>
+                  </a:lnTo>
+                  <a:lnTo>
+                    <a:pt x="122745" y="645129"/>
+                  </a:lnTo>
+                  <a:lnTo>
+                    <a:pt x="147447" y="675712"/>
+                  </a:lnTo>
+                  <a:lnTo>
+                    <a:pt x="952730" y="0"/>
                   </a:lnTo>
                   <a:close/>
                 </a:path>
@@ -4295,18 +4295,18 @@
           </p:nvSpPr>
           <p:spPr>
             <a:xfrm>
-              <a:off x="4584245" y="4264995"/>
-              <a:ext cx="45129" cy="28750"/>
+              <a:off x="4601040" y="4254805"/>
+              <a:ext cx="44329" cy="28241"/>
             </a:xfrm>
             <a:custGeom>
               <a:avLst/>
               <a:pathLst>
-                <a:path w="45129" h="28750">
+                <a:path w="44329" h="28241">
                   <a:moveTo>
-                    <a:pt x="45129" y="0"/>
+                    <a:pt x="44329" y="0"/>
                   </a:moveTo>
                   <a:lnTo>
-                    <a:pt x="0" y="28750"/>
+                    <a:pt x="0" y="28241"/>
                   </a:lnTo>
                 </a:path>
               </a:pathLst>
@@ -4335,7 +4335,7 @@
           </p:nvSpPr>
           <p:spPr>
             <a:xfrm>
-              <a:off x="3844163" y="4218912"/>
+              <a:off x="3861758" y="4207703"/>
               <a:ext cx="694952" cy="143023"/>
             </a:xfrm>
             <a:prstGeom prst="rect">
@@ -4381,39 +4381,39 @@
           </p:nvSpPr>
           <p:spPr>
             <a:xfrm>
-              <a:off x="4712150" y="3689985"/>
-              <a:ext cx="819810" cy="876645"/>
+              <a:off x="4726679" y="3689985"/>
+              <a:ext cx="805282" cy="861110"/>
             </a:xfrm>
             <a:custGeom>
               <a:avLst/>
               <a:pathLst>
-                <a:path w="819810" h="876645">
+                <a:path w="805282" h="861110">
                   <a:moveTo>
-                    <a:pt x="0" y="687902"/>
+                    <a:pt x="0" y="675712"/>
                   </a:moveTo>
                   <a:lnTo>
-                    <a:pt x="26294" y="718075"/>
-                  </a:lnTo>
-                  <a:lnTo>
-                    <a:pt x="53699" y="747243"/>
-                  </a:lnTo>
-                  <a:lnTo>
-                    <a:pt x="82175" y="775367"/>
-                  </a:lnTo>
-                  <a:lnTo>
-                    <a:pt x="111683" y="802405"/>
-                  </a:lnTo>
-                  <a:lnTo>
-                    <a:pt x="142181" y="828322"/>
-                  </a:lnTo>
-                  <a:lnTo>
-                    <a:pt x="173627" y="853080"/>
-                  </a:lnTo>
-                  <a:lnTo>
-                    <a:pt x="205976" y="876645"/>
-                  </a:lnTo>
-                  <a:lnTo>
-                    <a:pt x="819810" y="0"/>
+                    <a:pt x="25828" y="705349"/>
+                  </a:lnTo>
+                  <a:lnTo>
+                    <a:pt x="52747" y="734001"/>
+                  </a:lnTo>
+                  <a:lnTo>
+                    <a:pt x="80719" y="761626"/>
+                  </a:lnTo>
+                  <a:lnTo>
+                    <a:pt x="109703" y="788185"/>
+                  </a:lnTo>
+                  <a:lnTo>
+                    <a:pt x="139661" y="813643"/>
+                  </a:lnTo>
+                  <a:lnTo>
+                    <a:pt x="170550" y="837962"/>
+                  </a:lnTo>
+                  <a:lnTo>
+                    <a:pt x="202326" y="861110"/>
+                  </a:lnTo>
+                  <a:lnTo>
+                    <a:pt x="805282" y="0"/>
                   </a:lnTo>
                   <a:close/>
                 </a:path>
@@ -4448,18 +4448,18 @@
           </p:nvSpPr>
           <p:spPr>
             <a:xfrm>
-              <a:off x="4772803" y="4479009"/>
-              <a:ext cx="36150" cy="39451"/>
+              <a:off x="4786256" y="4465026"/>
+              <a:ext cx="35509" cy="38752"/>
             </a:xfrm>
             <a:custGeom>
               <a:avLst/>
               <a:pathLst>
-                <a:path w="36150" h="39451">
+                <a:path w="35509" h="38752">
                   <a:moveTo>
-                    <a:pt x="36150" y="0"/>
+                    <a:pt x="35509" y="0"/>
                   </a:moveTo>
                   <a:lnTo>
-                    <a:pt x="0" y="39451"/>
+                    <a:pt x="0" y="38752"/>
                   </a:lnTo>
                 </a:path>
               </a:pathLst>
@@ -4488,7 +4488,7 @@
           </p:nvSpPr>
           <p:spPr>
             <a:xfrm>
-              <a:off x="4092599" y="4454327"/>
+              <a:off x="4106693" y="4438946"/>
               <a:ext cx="644053" cy="143023"/>
             </a:xfrm>
             <a:prstGeom prst="rect">
@@ -4534,39 +4534,39 @@
           </p:nvSpPr>
           <p:spPr>
             <a:xfrm>
-              <a:off x="4918127" y="3689985"/>
-              <a:ext cx="613833" cy="1005646"/>
+              <a:off x="4929005" y="3689985"/>
+              <a:ext cx="602955" cy="987824"/>
             </a:xfrm>
             <a:custGeom>
               <a:avLst/>
               <a:pathLst>
-                <a:path w="613833" h="1005646">
+                <a:path w="602955" h="987824">
                   <a:moveTo>
-                    <a:pt x="0" y="876645"/>
+                    <a:pt x="0" y="861110"/>
                   </a:moveTo>
                   <a:lnTo>
-                    <a:pt x="33208" y="898984"/>
-                  </a:lnTo>
-                  <a:lnTo>
-                    <a:pt x="67228" y="920066"/>
-                  </a:lnTo>
-                  <a:lnTo>
-                    <a:pt x="102012" y="939861"/>
-                  </a:lnTo>
-                  <a:lnTo>
-                    <a:pt x="137513" y="958341"/>
-                  </a:lnTo>
-                  <a:lnTo>
-                    <a:pt x="173679" y="975481"/>
-                  </a:lnTo>
-                  <a:lnTo>
-                    <a:pt x="210462" y="991257"/>
-                  </a:lnTo>
-                  <a:lnTo>
-                    <a:pt x="247808" y="1005646"/>
-                  </a:lnTo>
-                  <a:lnTo>
-                    <a:pt x="613833" y="0"/>
+                    <a:pt x="32619" y="883053"/>
+                  </a:lnTo>
+                  <a:lnTo>
+                    <a:pt x="66036" y="903761"/>
+                  </a:lnTo>
+                  <a:lnTo>
+                    <a:pt x="100205" y="923205"/>
+                  </a:lnTo>
+                  <a:lnTo>
+                    <a:pt x="135076" y="941358"/>
+                  </a:lnTo>
+                  <a:lnTo>
+                    <a:pt x="170602" y="958194"/>
+                  </a:lnTo>
+                  <a:lnTo>
+                    <a:pt x="206732" y="973690"/>
+                  </a:lnTo>
+                  <a:lnTo>
+                    <a:pt x="243416" y="987824"/>
+                  </a:lnTo>
+                  <a:lnTo>
+                    <a:pt x="602955" y="0"/>
                   </a:lnTo>
                   <a:close/>
                 </a:path>
@@ -4601,18 +4601,18 @@
           </p:nvSpPr>
           <p:spPr>
             <a:xfrm>
-              <a:off x="5013096" y="4639252"/>
-              <a:ext cx="24707" cy="47463"/>
+              <a:off x="5022291" y="4622429"/>
+              <a:ext cx="24269" cy="46622"/>
             </a:xfrm>
             <a:custGeom>
               <a:avLst/>
               <a:pathLst>
-                <a:path w="24707" h="47463">
+                <a:path w="24269" h="46622">
                   <a:moveTo>
-                    <a:pt x="24707" y="0"/>
+                    <a:pt x="24269" y="0"/>
                   </a:moveTo>
                   <a:lnTo>
-                    <a:pt x="0" y="47463"/>
+                    <a:pt x="0" y="46622"/>
                   </a:lnTo>
                 </a:path>
               </a:pathLst>
@@ -4641,7 +4641,7 @@
           </p:nvSpPr>
           <p:spPr>
             <a:xfrm>
-              <a:off x="4403791" y="4631524"/>
+              <a:off x="4413424" y="4613019"/>
               <a:ext cx="584596" cy="141163"/>
             </a:xfrm>
             <a:prstGeom prst="rect">
@@ -4687,63 +4687,63 @@
           </p:nvSpPr>
           <p:spPr>
             <a:xfrm>
-              <a:off x="5165936" y="3689985"/>
-              <a:ext cx="551861" cy="1070186"/>
+              <a:off x="5172422" y="3689985"/>
+              <a:ext cx="542081" cy="1051221"/>
             </a:xfrm>
             <a:custGeom>
               <a:avLst/>
               <a:pathLst>
-                <a:path w="551861" h="1070186">
+                <a:path w="542081" h="1051221">
                   <a:moveTo>
-                    <a:pt x="0" y="1005646"/>
+                    <a:pt x="0" y="987824"/>
                   </a:moveTo>
                   <a:lnTo>
-                    <a:pt x="35319" y="1017808"/>
-                  </a:lnTo>
-                  <a:lnTo>
-                    <a:pt x="71041" y="1028729"/>
-                  </a:lnTo>
-                  <a:lnTo>
-                    <a:pt x="107123" y="1038397"/>
-                  </a:lnTo>
-                  <a:lnTo>
-                    <a:pt x="143521" y="1046800"/>
-                  </a:lnTo>
-                  <a:lnTo>
-                    <a:pt x="180189" y="1053928"/>
-                  </a:lnTo>
-                  <a:lnTo>
-                    <a:pt x="217084" y="1059771"/>
-                  </a:lnTo>
-                  <a:lnTo>
-                    <a:pt x="254160" y="1064324"/>
-                  </a:lnTo>
-                  <a:lnTo>
-                    <a:pt x="291372" y="1067579"/>
-                  </a:lnTo>
-                  <a:lnTo>
-                    <a:pt x="328676" y="1069534"/>
-                  </a:lnTo>
-                  <a:lnTo>
-                    <a:pt x="366025" y="1070186"/>
-                  </a:lnTo>
-                  <a:lnTo>
-                    <a:pt x="403374" y="1069534"/>
-                  </a:lnTo>
-                  <a:lnTo>
-                    <a:pt x="440677" y="1067579"/>
-                  </a:lnTo>
-                  <a:lnTo>
-                    <a:pt x="477890" y="1064324"/>
-                  </a:lnTo>
-                  <a:lnTo>
-                    <a:pt x="514966" y="1059771"/>
-                  </a:lnTo>
-                  <a:lnTo>
-                    <a:pt x="551861" y="1053928"/>
-                  </a:lnTo>
-                  <a:lnTo>
-                    <a:pt x="366025" y="0"/>
+                    <a:pt x="34693" y="999770"/>
+                  </a:lnTo>
+                  <a:lnTo>
+                    <a:pt x="69783" y="1010498"/>
+                  </a:lnTo>
+                  <a:lnTo>
+                    <a:pt x="105225" y="1019995"/>
+                  </a:lnTo>
+                  <a:lnTo>
+                    <a:pt x="140977" y="1028249"/>
+                  </a:lnTo>
+                  <a:lnTo>
+                    <a:pt x="176996" y="1035250"/>
+                  </a:lnTo>
+                  <a:lnTo>
+                    <a:pt x="213237" y="1040990"/>
+                  </a:lnTo>
+                  <a:lnTo>
+                    <a:pt x="249656" y="1045462"/>
+                  </a:lnTo>
+                  <a:lnTo>
+                    <a:pt x="286209" y="1048660"/>
+                  </a:lnTo>
+                  <a:lnTo>
+                    <a:pt x="322851" y="1050580"/>
+                  </a:lnTo>
+                  <a:lnTo>
+                    <a:pt x="359538" y="1051221"/>
+                  </a:lnTo>
+                  <a:lnTo>
+                    <a:pt x="396225" y="1050580"/>
+                  </a:lnTo>
+                  <a:lnTo>
+                    <a:pt x="432868" y="1048660"/>
+                  </a:lnTo>
+                  <a:lnTo>
+                    <a:pt x="469421" y="1045462"/>
+                  </a:lnTo>
+                  <a:lnTo>
+                    <a:pt x="505840" y="1040990"/>
+                  </a:lnTo>
+                  <a:lnTo>
+                    <a:pt x="542081" y="1035250"/>
+                  </a:lnTo>
+                  <a:lnTo>
+                    <a:pt x="359538" y="0"/>
                   </a:lnTo>
                   <a:close/>
                 </a:path>
@@ -4778,18 +4778,18 @@
           </p:nvSpPr>
           <p:spPr>
             <a:xfrm>
-              <a:off x="5434024" y="4756099"/>
-              <a:ext cx="4663" cy="53305"/>
+              <a:off x="5435760" y="4737206"/>
+              <a:ext cx="4580" cy="52361"/>
             </a:xfrm>
             <a:custGeom>
               <a:avLst/>
               <a:pathLst>
-                <a:path w="4663" h="53305">
+                <a:path w="4580" h="52361">
                   <a:moveTo>
-                    <a:pt x="4663" y="0"/>
+                    <a:pt x="4580" y="0"/>
                   </a:moveTo>
                   <a:lnTo>
-                    <a:pt x="0" y="53305"/>
+                    <a:pt x="0" y="52361"/>
                   </a:lnTo>
                 </a:path>
               </a:pathLst>
@@ -4818,7 +4818,7 @@
           </p:nvSpPr>
           <p:spPr>
             <a:xfrm>
-              <a:off x="4904072" y="4760056"/>
+              <a:off x="4905890" y="4739274"/>
               <a:ext cx="525288" cy="141163"/>
             </a:xfrm>
             <a:prstGeom prst="rect">
@@ -4865,59 +4865,59 @@
           <p:spPr>
             <a:xfrm>
               <a:off x="5531961" y="3689985"/>
-              <a:ext cx="687902" cy="1053928"/>
+              <a:ext cx="675712" cy="1035250"/>
             </a:xfrm>
             <a:custGeom>
               <a:avLst/>
               <a:pathLst>
-                <a:path w="687902" h="1053928">
+                <a:path w="675712" h="1035250">
                   <a:moveTo>
-                    <a:pt x="185835" y="1053928"/>
+                    <a:pt x="182542" y="1035250"/>
                   </a:moveTo>
                   <a:lnTo>
-                    <a:pt x="222504" y="1046800"/>
-                  </a:lnTo>
-                  <a:lnTo>
-                    <a:pt x="258901" y="1038397"/>
-                  </a:lnTo>
-                  <a:lnTo>
-                    <a:pt x="294983" y="1028729"/>
-                  </a:lnTo>
-                  <a:lnTo>
-                    <a:pt x="330705" y="1017808"/>
-                  </a:lnTo>
-                  <a:lnTo>
-                    <a:pt x="366025" y="1005646"/>
-                  </a:lnTo>
-                  <a:lnTo>
-                    <a:pt x="400898" y="992259"/>
-                  </a:lnTo>
-                  <a:lnTo>
-                    <a:pt x="435284" y="977664"/>
-                  </a:lnTo>
-                  <a:lnTo>
-                    <a:pt x="469138" y="961877"/>
-                  </a:lnTo>
-                  <a:lnTo>
-                    <a:pt x="502422" y="944918"/>
-                  </a:lnTo>
-                  <a:lnTo>
-                    <a:pt x="535093" y="926808"/>
-                  </a:lnTo>
-                  <a:lnTo>
-                    <a:pt x="567112" y="907569"/>
-                  </a:lnTo>
-                  <a:lnTo>
-                    <a:pt x="598440" y="887224"/>
-                  </a:lnTo>
-                  <a:lnTo>
-                    <a:pt x="629039" y="865799"/>
-                  </a:lnTo>
-                  <a:lnTo>
-                    <a:pt x="658872" y="843318"/>
-                  </a:lnTo>
-                  <a:lnTo>
-                    <a:pt x="687902" y="819810"/>
+                    <a:pt x="218561" y="1028249"/>
+                  </a:lnTo>
+                  <a:lnTo>
+                    <a:pt x="254313" y="1019995"/>
+                  </a:lnTo>
+                  <a:lnTo>
+                    <a:pt x="289755" y="1010498"/>
+                  </a:lnTo>
+                  <a:lnTo>
+                    <a:pt x="324845" y="999770"/>
+                  </a:lnTo>
+                  <a:lnTo>
+                    <a:pt x="359538" y="987824"/>
+                  </a:lnTo>
+                  <a:lnTo>
+                    <a:pt x="393794" y="974675"/>
+                  </a:lnTo>
+                  <a:lnTo>
+                    <a:pt x="427570" y="960338"/>
+                  </a:lnTo>
+                  <a:lnTo>
+                    <a:pt x="460825" y="944831"/>
+                  </a:lnTo>
+                  <a:lnTo>
+                    <a:pt x="493518" y="928173"/>
+                  </a:lnTo>
+                  <a:lnTo>
+                    <a:pt x="525610" y="910384"/>
+                  </a:lnTo>
+                  <a:lnTo>
+                    <a:pt x="557062" y="891486"/>
+                  </a:lnTo>
+                  <a:lnTo>
+                    <a:pt x="587835" y="871501"/>
+                  </a:lnTo>
+                  <a:lnTo>
+                    <a:pt x="617892" y="850455"/>
+                  </a:lnTo>
+                  <a:lnTo>
+                    <a:pt x="647196" y="828373"/>
+                  </a:lnTo>
+                  <a:lnTo>
+                    <a:pt x="675712" y="805282"/>
                   </a:lnTo>
                   <a:lnTo>
                     <a:pt x="0" y="0"/>
@@ -4955,18 +4955,18 @@
           </p:nvSpPr>
           <p:spPr>
             <a:xfrm>
-              <a:off x="5984241" y="4659903"/>
-              <a:ext cx="22614" cy="48495"/>
+              <a:off x="5976226" y="4642715"/>
+              <a:ext cx="22213" cy="47636"/>
             </a:xfrm>
             <a:custGeom>
               <a:avLst/>
               <a:pathLst>
-                <a:path w="22614" h="48495">
+                <a:path w="22213" h="47636">
                   <a:moveTo>
                     <a:pt x="0" y="0"/>
                   </a:moveTo>
                   <a:lnTo>
-                    <a:pt x="22614" y="48495"/>
+                    <a:pt x="22213" y="47636"/>
                   </a:lnTo>
                 </a:path>
               </a:pathLst>
@@ -4995,7 +4995,7 @@
           </p:nvSpPr>
           <p:spPr>
             <a:xfrm>
-              <a:off x="6029469" y="4698629"/>
+              <a:off x="6020653" y="4679721"/>
               <a:ext cx="550738" cy="112811"/>
             </a:xfrm>
             <a:prstGeom prst="rect">
@@ -5041,114 +5041,114 @@
           </p:nvSpPr>
           <p:spPr>
             <a:xfrm>
-              <a:off x="5531961" y="3504149"/>
-              <a:ext cx="1070122" cy="1005646"/>
+              <a:off x="5531961" y="3507442"/>
+              <a:ext cx="1051158" cy="987824"/>
             </a:xfrm>
             <a:custGeom>
               <a:avLst/>
               <a:pathLst>
-                <a:path w="1070122" h="1005646">
+                <a:path w="1051158" h="987824">
                   <a:moveTo>
-                    <a:pt x="687902" y="1005646"/>
+                    <a:pt x="675712" y="987824"/>
                   </a:moveTo>
                   <a:lnTo>
-                    <a:pt x="714357" y="982700"/>
-                  </a:lnTo>
-                  <a:lnTo>
-                    <a:pt x="740048" y="958900"/>
-                  </a:lnTo>
-                  <a:lnTo>
-                    <a:pt x="764945" y="934272"/>
-                  </a:lnTo>
-                  <a:lnTo>
-                    <a:pt x="789024" y="908843"/>
-                  </a:lnTo>
-                  <a:lnTo>
-                    <a:pt x="812258" y="882640"/>
-                  </a:lnTo>
-                  <a:lnTo>
-                    <a:pt x="834621" y="855690"/>
-                  </a:lnTo>
-                  <a:lnTo>
-                    <a:pt x="856092" y="828024"/>
-                  </a:lnTo>
-                  <a:lnTo>
-                    <a:pt x="876645" y="799669"/>
-                  </a:lnTo>
-                  <a:lnTo>
-                    <a:pt x="896260" y="770658"/>
-                  </a:lnTo>
-                  <a:lnTo>
-                    <a:pt x="914915" y="741020"/>
-                  </a:lnTo>
-                  <a:lnTo>
-                    <a:pt x="932590" y="710787"/>
-                  </a:lnTo>
-                  <a:lnTo>
-                    <a:pt x="949267" y="679993"/>
-                  </a:lnTo>
-                  <a:lnTo>
-                    <a:pt x="964927" y="648669"/>
-                  </a:lnTo>
-                  <a:lnTo>
-                    <a:pt x="979554" y="616850"/>
-                  </a:lnTo>
-                  <a:lnTo>
-                    <a:pt x="993132" y="584569"/>
-                  </a:lnTo>
-                  <a:lnTo>
-                    <a:pt x="1005646" y="551861"/>
-                  </a:lnTo>
-                  <a:lnTo>
-                    <a:pt x="1017084" y="518761"/>
-                  </a:lnTo>
-                  <a:lnTo>
-                    <a:pt x="1027432" y="485305"/>
-                  </a:lnTo>
-                  <a:lnTo>
-                    <a:pt x="1036680" y="451528"/>
-                  </a:lnTo>
-                  <a:lnTo>
-                    <a:pt x="1044818" y="417466"/>
-                  </a:lnTo>
-                  <a:lnTo>
-                    <a:pt x="1051838" y="383157"/>
-                  </a:lnTo>
-                  <a:lnTo>
-                    <a:pt x="1057731" y="348636"/>
-                  </a:lnTo>
-                  <a:lnTo>
-                    <a:pt x="1062491" y="313941"/>
-                  </a:lnTo>
-                  <a:lnTo>
-                    <a:pt x="1066114" y="279108"/>
-                  </a:lnTo>
-                  <a:lnTo>
-                    <a:pt x="1068595" y="244176"/>
-                  </a:lnTo>
-                  <a:lnTo>
-                    <a:pt x="1069931" y="209181"/>
-                  </a:lnTo>
-                  <a:lnTo>
-                    <a:pt x="1070122" y="174162"/>
-                  </a:lnTo>
-                  <a:lnTo>
-                    <a:pt x="1069168" y="139155"/>
-                  </a:lnTo>
-                  <a:lnTo>
-                    <a:pt x="1067068" y="104197"/>
-                  </a:lnTo>
-                  <a:lnTo>
-                    <a:pt x="1063825" y="69328"/>
-                  </a:lnTo>
-                  <a:lnTo>
-                    <a:pt x="1059444" y="34583"/>
-                  </a:lnTo>
-                  <a:lnTo>
-                    <a:pt x="1053928" y="0"/>
-                  </a:lnTo>
-                  <a:lnTo>
-                    <a:pt x="0" y="185835"/>
+                    <a:pt x="701698" y="965285"/>
+                  </a:lnTo>
+                  <a:lnTo>
+                    <a:pt x="726933" y="941907"/>
+                  </a:lnTo>
+                  <a:lnTo>
+                    <a:pt x="751389" y="917715"/>
+                  </a:lnTo>
+                  <a:lnTo>
+                    <a:pt x="775041" y="892737"/>
+                  </a:lnTo>
+                  <a:lnTo>
+                    <a:pt x="797863" y="866998"/>
+                  </a:lnTo>
+                  <a:lnTo>
+                    <a:pt x="819831" y="840526"/>
+                  </a:lnTo>
+                  <a:lnTo>
+                    <a:pt x="840920" y="813350"/>
+                  </a:lnTo>
+                  <a:lnTo>
+                    <a:pt x="861110" y="785498"/>
+                  </a:lnTo>
+                  <a:lnTo>
+                    <a:pt x="880377" y="757000"/>
+                  </a:lnTo>
+                  <a:lnTo>
+                    <a:pt x="898701" y="727888"/>
+                  </a:lnTo>
+                  <a:lnTo>
+                    <a:pt x="916063" y="698191"/>
+                  </a:lnTo>
+                  <a:lnTo>
+                    <a:pt x="932444" y="667942"/>
+                  </a:lnTo>
+                  <a:lnTo>
+                    <a:pt x="947827" y="637174"/>
+                  </a:lnTo>
+                  <a:lnTo>
+                    <a:pt x="962194" y="605918"/>
+                  </a:lnTo>
+                  <a:lnTo>
+                    <a:pt x="975532" y="574209"/>
+                  </a:lnTo>
+                  <a:lnTo>
+                    <a:pt x="987824" y="542081"/>
+                  </a:lnTo>
+                  <a:lnTo>
+                    <a:pt x="999059" y="509568"/>
+                  </a:lnTo>
+                  <a:lnTo>
+                    <a:pt x="1009224" y="476704"/>
+                  </a:lnTo>
+                  <a:lnTo>
+                    <a:pt x="1018309" y="443526"/>
+                  </a:lnTo>
+                  <a:lnTo>
+                    <a:pt x="1026303" y="410068"/>
+                  </a:lnTo>
+                  <a:lnTo>
+                    <a:pt x="1033198" y="376367"/>
+                  </a:lnTo>
+                  <a:lnTo>
+                    <a:pt x="1038986" y="342458"/>
+                  </a:lnTo>
+                  <a:lnTo>
+                    <a:pt x="1043662" y="308377"/>
+                  </a:lnTo>
+                  <a:lnTo>
+                    <a:pt x="1047221" y="274162"/>
+                  </a:lnTo>
+                  <a:lnTo>
+                    <a:pt x="1049658" y="239849"/>
+                  </a:lnTo>
+                  <a:lnTo>
+                    <a:pt x="1050971" y="205474"/>
+                  </a:lnTo>
+                  <a:lnTo>
+                    <a:pt x="1051158" y="171075"/>
+                  </a:lnTo>
+                  <a:lnTo>
+                    <a:pt x="1050220" y="136689"/>
+                  </a:lnTo>
+                  <a:lnTo>
+                    <a:pt x="1048158" y="102351"/>
+                  </a:lnTo>
+                  <a:lnTo>
+                    <a:pt x="1044973" y="68099"/>
+                  </a:lnTo>
+                  <a:lnTo>
+                    <a:pt x="1040669" y="33970"/>
+                  </a:lnTo>
+                  <a:lnTo>
+                    <a:pt x="1035250" y="0"/>
+                  </a:lnTo>
+                  <a:lnTo>
+                    <a:pt x="0" y="182542"/>
                   </a:lnTo>
                   <a:close/>
                 </a:path>
@@ -5183,18 +5183,18 @@
           </p:nvSpPr>
           <p:spPr>
             <a:xfrm>
-              <a:off x="6537608" y="4056010"/>
-              <a:ext cx="50282" cy="18301"/>
+              <a:off x="6519786" y="4049523"/>
+              <a:ext cx="49391" cy="17976"/>
             </a:xfrm>
             <a:custGeom>
               <a:avLst/>
               <a:pathLst>
-                <a:path w="50282" h="18301">
+                <a:path w="49391" h="17976">
                   <a:moveTo>
                     <a:pt x="0" y="0"/>
                   </a:moveTo>
                   <a:lnTo>
-                    <a:pt x="50282" y="18301"/>
+                    <a:pt x="49391" y="17976"/>
                   </a:lnTo>
                 </a:path>
               </a:pathLst>
@@ -5223,7 +5223,7 @@
           </p:nvSpPr>
           <p:spPr>
             <a:xfrm>
-              <a:off x="6638172" y="4035388"/>
+              <a:off x="6618568" y="4028253"/>
               <a:ext cx="491281" cy="110876"/>
             </a:xfrm>
             <a:prstGeom prst="rect">
@@ -5269,165 +5269,165 @@
           </p:nvSpPr>
           <p:spPr>
             <a:xfrm>
-              <a:off x="5346125" y="2619906"/>
-              <a:ext cx="1239764" cy="1070078"/>
+              <a:off x="5349418" y="2638870"/>
+              <a:ext cx="1217793" cy="1051114"/>
             </a:xfrm>
             <a:custGeom>
               <a:avLst/>
               <a:pathLst>
-                <a:path w="1239764" h="1070078">
+                <a:path w="1217793" h="1051114">
                   <a:moveTo>
-                    <a:pt x="1239764" y="884242"/>
+                    <a:pt x="1217793" y="868571"/>
                   </a:moveTo>
                   <a:lnTo>
-                    <a:pt x="1233266" y="850557"/>
-                  </a:lnTo>
-                  <a:lnTo>
-                    <a:pt x="1225692" y="817098"/>
-                  </a:lnTo>
-                  <a:lnTo>
-                    <a:pt x="1217049" y="783899"/>
-                  </a:lnTo>
-                  <a:lnTo>
-                    <a:pt x="1207347" y="750994"/>
-                  </a:lnTo>
-                  <a:lnTo>
-                    <a:pt x="1196595" y="718417"/>
-                  </a:lnTo>
-                  <a:lnTo>
-                    <a:pt x="1184804" y="686201"/>
-                  </a:lnTo>
-                  <a:lnTo>
-                    <a:pt x="1171987" y="654380"/>
-                  </a:lnTo>
-                  <a:lnTo>
-                    <a:pt x="1158157" y="622986"/>
-                  </a:lnTo>
-                  <a:lnTo>
-                    <a:pt x="1143327" y="592051"/>
-                  </a:lnTo>
-                  <a:lnTo>
-                    <a:pt x="1127514" y="561607"/>
-                  </a:lnTo>
-                  <a:lnTo>
-                    <a:pt x="1110732" y="531686"/>
-                  </a:lnTo>
-                  <a:lnTo>
-                    <a:pt x="1093001" y="502319"/>
-                  </a:lnTo>
-                  <a:lnTo>
-                    <a:pt x="1074337" y="473534"/>
-                  </a:lnTo>
-                  <a:lnTo>
-                    <a:pt x="1054761" y="445363"/>
-                  </a:lnTo>
-                  <a:lnTo>
-                    <a:pt x="1034291" y="417833"/>
-                  </a:lnTo>
-                  <a:lnTo>
-                    <a:pt x="1012950" y="390974"/>
-                  </a:lnTo>
-                  <a:lnTo>
-                    <a:pt x="990758" y="364813"/>
-                  </a:lnTo>
-                  <a:lnTo>
-                    <a:pt x="967740" y="339376"/>
-                  </a:lnTo>
-                  <a:lnTo>
-                    <a:pt x="943918" y="314690"/>
-                  </a:lnTo>
-                  <a:lnTo>
-                    <a:pt x="919317" y="290781"/>
-                  </a:lnTo>
-                  <a:lnTo>
-                    <a:pt x="893963" y="267672"/>
-                  </a:lnTo>
-                  <a:lnTo>
-                    <a:pt x="867881" y="245387"/>
-                  </a:lnTo>
-                  <a:lnTo>
-                    <a:pt x="841098" y="223950"/>
-                  </a:lnTo>
-                  <a:lnTo>
-                    <a:pt x="813641" y="203383"/>
-                  </a:lnTo>
-                  <a:lnTo>
-                    <a:pt x="785540" y="183706"/>
-                  </a:lnTo>
-                  <a:lnTo>
-                    <a:pt x="756822" y="164940"/>
-                  </a:lnTo>
-                  <a:lnTo>
-                    <a:pt x="727518" y="147104"/>
-                  </a:lnTo>
-                  <a:lnTo>
-                    <a:pt x="697656" y="130217"/>
-                  </a:lnTo>
-                  <a:lnTo>
-                    <a:pt x="667270" y="114295"/>
-                  </a:lnTo>
-                  <a:lnTo>
-                    <a:pt x="636388" y="99355"/>
-                  </a:lnTo>
-                  <a:lnTo>
-                    <a:pt x="605043" y="85413"/>
-                  </a:lnTo>
-                  <a:lnTo>
-                    <a:pt x="573268" y="72483"/>
-                  </a:lnTo>
-                  <a:lnTo>
-                    <a:pt x="541094" y="60577"/>
-                  </a:lnTo>
-                  <a:lnTo>
-                    <a:pt x="508556" y="49709"/>
-                  </a:lnTo>
-                  <a:lnTo>
-                    <a:pt x="475685" y="39890"/>
-                  </a:lnTo>
-                  <a:lnTo>
-                    <a:pt x="442517" y="31129"/>
-                  </a:lnTo>
-                  <a:lnTo>
-                    <a:pt x="409085" y="23436"/>
-                  </a:lnTo>
-                  <a:lnTo>
-                    <a:pt x="375424" y="16818"/>
-                  </a:lnTo>
-                  <a:lnTo>
-                    <a:pt x="341568" y="11283"/>
-                  </a:lnTo>
-                  <a:lnTo>
-                    <a:pt x="307552" y="6835"/>
-                  </a:lnTo>
-                  <a:lnTo>
-                    <a:pt x="273411" y="3480"/>
-                  </a:lnTo>
-                  <a:lnTo>
-                    <a:pt x="239180" y="1221"/>
-                  </a:lnTo>
-                  <a:lnTo>
-                    <a:pt x="204894" y="61"/>
-                  </a:lnTo>
-                  <a:lnTo>
-                    <a:pt x="170588" y="0"/>
-                  </a:lnTo>
-                  <a:lnTo>
-                    <a:pt x="136299" y="1038"/>
-                  </a:lnTo>
-                  <a:lnTo>
-                    <a:pt x="102060" y="3175"/>
-                  </a:lnTo>
-                  <a:lnTo>
-                    <a:pt x="67907" y="6408"/>
-                  </a:lnTo>
-                  <a:lnTo>
-                    <a:pt x="33875" y="10735"/>
-                  </a:lnTo>
-                  <a:lnTo>
-                    <a:pt x="0" y="16149"/>
-                  </a:lnTo>
-                  <a:lnTo>
-                    <a:pt x="185835" y="1070078"/>
+                    <a:pt x="1211410" y="835484"/>
+                  </a:lnTo>
+                  <a:lnTo>
+                    <a:pt x="1203971" y="802618"/>
+                  </a:lnTo>
+                  <a:lnTo>
+                    <a:pt x="1195481" y="770007"/>
+                  </a:lnTo>
+                  <a:lnTo>
+                    <a:pt x="1185951" y="737685"/>
+                  </a:lnTo>
+                  <a:lnTo>
+                    <a:pt x="1175389" y="705685"/>
+                  </a:lnTo>
+                  <a:lnTo>
+                    <a:pt x="1163808" y="674041"/>
+                  </a:lnTo>
+                  <a:lnTo>
+                    <a:pt x="1151218" y="642783"/>
+                  </a:lnTo>
+                  <a:lnTo>
+                    <a:pt x="1137632" y="611945"/>
+                  </a:lnTo>
+                  <a:lnTo>
+                    <a:pt x="1123066" y="581559"/>
+                  </a:lnTo>
+                  <a:lnTo>
+                    <a:pt x="1107532" y="551655"/>
+                  </a:lnTo>
+                  <a:lnTo>
+                    <a:pt x="1091049" y="522264"/>
+                  </a:lnTo>
+                  <a:lnTo>
+                    <a:pt x="1073631" y="493417"/>
+                  </a:lnTo>
+                  <a:lnTo>
+                    <a:pt x="1055298" y="465142"/>
+                  </a:lnTo>
+                  <a:lnTo>
+                    <a:pt x="1036069" y="437470"/>
+                  </a:lnTo>
+                  <a:lnTo>
+                    <a:pt x="1015962" y="410429"/>
+                  </a:lnTo>
+                  <a:lnTo>
+                    <a:pt x="994999" y="384046"/>
+                  </a:lnTo>
+                  <a:lnTo>
+                    <a:pt x="973201" y="358348"/>
+                  </a:lnTo>
+                  <a:lnTo>
+                    <a:pt x="950590" y="333362"/>
+                  </a:lnTo>
+                  <a:lnTo>
+                    <a:pt x="927191" y="309113"/>
+                  </a:lnTo>
+                  <a:lnTo>
+                    <a:pt x="903026" y="285627"/>
+                  </a:lnTo>
+                  <a:lnTo>
+                    <a:pt x="878120" y="262928"/>
+                  </a:lnTo>
+                  <a:lnTo>
+                    <a:pt x="852500" y="241039"/>
+                  </a:lnTo>
+                  <a:lnTo>
+                    <a:pt x="826192" y="219982"/>
+                  </a:lnTo>
+                  <a:lnTo>
+                    <a:pt x="799222" y="199779"/>
+                  </a:lnTo>
+                  <a:lnTo>
+                    <a:pt x="771619" y="180451"/>
+                  </a:lnTo>
+                  <a:lnTo>
+                    <a:pt x="743410" y="162017"/>
+                  </a:lnTo>
+                  <a:lnTo>
+                    <a:pt x="714625" y="144497"/>
+                  </a:lnTo>
+                  <a:lnTo>
+                    <a:pt x="685293" y="127909"/>
+                  </a:lnTo>
+                  <a:lnTo>
+                    <a:pt x="655444" y="112269"/>
+                  </a:lnTo>
+                  <a:lnTo>
+                    <a:pt x="625110" y="97594"/>
+                  </a:lnTo>
+                  <a:lnTo>
+                    <a:pt x="594321" y="83899"/>
+                  </a:lnTo>
+                  <a:lnTo>
+                    <a:pt x="563109" y="71198"/>
+                  </a:lnTo>
+                  <a:lnTo>
+                    <a:pt x="531505" y="59504"/>
+                  </a:lnTo>
+                  <a:lnTo>
+                    <a:pt x="499543" y="48828"/>
+                  </a:lnTo>
+                  <a:lnTo>
+                    <a:pt x="467255" y="39183"/>
+                  </a:lnTo>
+                  <a:lnTo>
+                    <a:pt x="434675" y="30577"/>
+                  </a:lnTo>
+                  <a:lnTo>
+                    <a:pt x="401836" y="23020"/>
+                  </a:lnTo>
+                  <a:lnTo>
+                    <a:pt x="368771" y="16520"/>
+                  </a:lnTo>
+                  <a:lnTo>
+                    <a:pt x="335515" y="11083"/>
+                  </a:lnTo>
+                  <a:lnTo>
+                    <a:pt x="302102" y="6714"/>
+                  </a:lnTo>
+                  <a:lnTo>
+                    <a:pt x="268566" y="3418"/>
+                  </a:lnTo>
+                  <a:lnTo>
+                    <a:pt x="234941" y="1200"/>
+                  </a:lnTo>
+                  <a:lnTo>
+                    <a:pt x="201263" y="60"/>
+                  </a:lnTo>
+                  <a:lnTo>
+                    <a:pt x="167565" y="0"/>
+                  </a:lnTo>
+                  <a:lnTo>
+                    <a:pt x="133883" y="1020"/>
+                  </a:lnTo>
+                  <a:lnTo>
+                    <a:pt x="100251" y="3119"/>
+                  </a:lnTo>
+                  <a:lnTo>
+                    <a:pt x="66703" y="6295"/>
+                  </a:lnTo>
+                  <a:lnTo>
+                    <a:pt x="33275" y="10544"/>
+                  </a:lnTo>
+                  <a:lnTo>
+                    <a:pt x="0" y="15863"/>
+                  </a:lnTo>
+                  <a:lnTo>
+                    <a:pt x="182542" y="1051114"/>
                   </a:lnTo>
                   <a:close/>
                 </a:path>
@@ -5462,18 +5462,18 @@
           </p:nvSpPr>
           <p:spPr>
             <a:xfrm>
-              <a:off x="6145795" y="2769507"/>
-              <a:ext cx="30691" cy="43832"/>
+              <a:off x="6134917" y="2785819"/>
+              <a:ext cx="30147" cy="43055"/>
             </a:xfrm>
             <a:custGeom>
               <a:avLst/>
               <a:pathLst>
-                <a:path w="30691" h="43832">
+                <a:path w="30147" h="43055">
                   <a:moveTo>
-                    <a:pt x="0" y="43832"/>
+                    <a:pt x="0" y="43055"/>
                   </a:moveTo>
                   <a:lnTo>
-                    <a:pt x="30691" y="0"/>
+                    <a:pt x="30147" y="0"/>
                   </a:lnTo>
                 </a:path>
               </a:pathLst>
@@ -5502,7 +5502,7 @@
           </p:nvSpPr>
           <p:spPr>
             <a:xfrm>
-              <a:off x="6207178" y="2623020"/>
+              <a:off x="6195212" y="2640109"/>
               <a:ext cx="457497" cy="141163"/>
             </a:xfrm>
             <a:prstGeom prst="rect">
